--- a/doc/C++面对对象简介-2021-10-18/C++面对对象简介-产品四部-李建聪-2021-11-25.pptx
+++ b/doc/C++面对对象简介-2021-10-18/C++面对对象简介-产品四部-李建聪-2021-11-25.pptx
@@ -233,7 +233,7 @@
           <a:p>
             <a:fld id="{F59D132A-7337-4297-BDB4-68D4D7B6F6A6}" type="datetimeFigureOut">
               <a:rPr lang="zh-CN" altLang="en-US" smtClean="0"/>
-              <a:t>2021/11/25</a:t>
+              <a:t>2021/11/26</a:t>
             </a:fld>
             <a:endParaRPr lang="zh-CN" altLang="en-US"/>
           </a:p>
@@ -917,7 +917,7 @@
           <a:p>
             <a:fld id="{53A40458-811D-4390-B79E-0DB25D0F009B}" type="datetimeFigureOut">
               <a:rPr lang="zh-CN" altLang="en-US" smtClean="0"/>
-              <a:t>2021/11/25</a:t>
+              <a:t>2021/11/26</a:t>
             </a:fld>
             <a:endParaRPr lang="zh-CN" altLang="en-US"/>
           </a:p>
@@ -1087,7 +1087,7 @@
           <a:p>
             <a:fld id="{53A40458-811D-4390-B79E-0DB25D0F009B}" type="datetimeFigureOut">
               <a:rPr lang="zh-CN" altLang="en-US" smtClean="0"/>
-              <a:t>2021/11/25</a:t>
+              <a:t>2021/11/26</a:t>
             </a:fld>
             <a:endParaRPr lang="zh-CN" altLang="en-US"/>
           </a:p>
@@ -1267,7 +1267,7 @@
           <a:p>
             <a:fld id="{53A40458-811D-4390-B79E-0DB25D0F009B}" type="datetimeFigureOut">
               <a:rPr lang="zh-CN" altLang="en-US" smtClean="0"/>
-              <a:t>2021/11/25</a:t>
+              <a:t>2021/11/26</a:t>
             </a:fld>
             <a:endParaRPr lang="zh-CN" altLang="en-US"/>
           </a:p>
@@ -1437,7 +1437,7 @@
           <a:p>
             <a:fld id="{53A40458-811D-4390-B79E-0DB25D0F009B}" type="datetimeFigureOut">
               <a:rPr lang="zh-CN" altLang="en-US" smtClean="0"/>
-              <a:t>2021/11/25</a:t>
+              <a:t>2021/11/26</a:t>
             </a:fld>
             <a:endParaRPr lang="zh-CN" altLang="en-US"/>
           </a:p>
@@ -1683,7 +1683,7 @@
           <a:p>
             <a:fld id="{53A40458-811D-4390-B79E-0DB25D0F009B}" type="datetimeFigureOut">
               <a:rPr lang="zh-CN" altLang="en-US" smtClean="0"/>
-              <a:t>2021/11/25</a:t>
+              <a:t>2021/11/26</a:t>
             </a:fld>
             <a:endParaRPr lang="zh-CN" altLang="en-US"/>
           </a:p>
@@ -1915,7 +1915,7 @@
           <a:p>
             <a:fld id="{53A40458-811D-4390-B79E-0DB25D0F009B}" type="datetimeFigureOut">
               <a:rPr lang="zh-CN" altLang="en-US" smtClean="0"/>
-              <a:t>2021/11/25</a:t>
+              <a:t>2021/11/26</a:t>
             </a:fld>
             <a:endParaRPr lang="zh-CN" altLang="en-US"/>
           </a:p>
@@ -2282,7 +2282,7 @@
           <a:p>
             <a:fld id="{53A40458-811D-4390-B79E-0DB25D0F009B}" type="datetimeFigureOut">
               <a:rPr lang="zh-CN" altLang="en-US" smtClean="0"/>
-              <a:t>2021/11/25</a:t>
+              <a:t>2021/11/26</a:t>
             </a:fld>
             <a:endParaRPr lang="zh-CN" altLang="en-US"/>
           </a:p>
@@ -2400,7 +2400,7 @@
           <a:p>
             <a:fld id="{53A40458-811D-4390-B79E-0DB25D0F009B}" type="datetimeFigureOut">
               <a:rPr lang="zh-CN" altLang="en-US" smtClean="0"/>
-              <a:t>2021/11/25</a:t>
+              <a:t>2021/11/26</a:t>
             </a:fld>
             <a:endParaRPr lang="zh-CN" altLang="en-US"/>
           </a:p>
@@ -2495,7 +2495,7 @@
           <a:p>
             <a:fld id="{53A40458-811D-4390-B79E-0DB25D0F009B}" type="datetimeFigureOut">
               <a:rPr lang="zh-CN" altLang="en-US" smtClean="0"/>
-              <a:t>2021/11/25</a:t>
+              <a:t>2021/11/26</a:t>
             </a:fld>
             <a:endParaRPr lang="zh-CN" altLang="en-US"/>
           </a:p>
@@ -2772,7 +2772,7 @@
           <a:p>
             <a:fld id="{53A40458-811D-4390-B79E-0DB25D0F009B}" type="datetimeFigureOut">
               <a:rPr lang="zh-CN" altLang="en-US" smtClean="0"/>
-              <a:t>2021/11/25</a:t>
+              <a:t>2021/11/26</a:t>
             </a:fld>
             <a:endParaRPr lang="zh-CN" altLang="en-US"/>
           </a:p>
@@ -3025,7 +3025,7 @@
           <a:p>
             <a:fld id="{53A40458-811D-4390-B79E-0DB25D0F009B}" type="datetimeFigureOut">
               <a:rPr lang="zh-CN" altLang="en-US" smtClean="0"/>
-              <a:t>2021/11/25</a:t>
+              <a:t>2021/11/26</a:t>
             </a:fld>
             <a:endParaRPr lang="zh-CN" altLang="en-US"/>
           </a:p>
@@ -3238,7 +3238,7 @@
           <a:p>
             <a:fld id="{53A40458-811D-4390-B79E-0DB25D0F009B}" type="datetimeFigureOut">
               <a:rPr lang="zh-CN" altLang="en-US" smtClean="0"/>
-              <a:t>2021/11/25</a:t>
+              <a:t>2021/11/26</a:t>
             </a:fld>
             <a:endParaRPr lang="zh-CN" altLang="en-US"/>
           </a:p>
@@ -4130,11 +4130,7 @@
           <a:p>
             <a:r>
               <a:rPr lang="en-US" altLang="zh-CN" dirty="0" smtClean="0"/>
-              <a:t> </a:t>
-            </a:r>
-            <a:r>
-              <a:rPr lang="en-US" altLang="zh-CN" dirty="0" smtClean="0"/>
-              <a:t>`public` </a:t>
+              <a:t> `public` </a:t>
             </a:r>
             <a:r>
               <a:rPr lang="zh-CN" altLang="en-US" dirty="0" smtClean="0"/>
@@ -4155,15 +4151,7 @@
           <a:p>
             <a:r>
               <a:rPr lang="zh-CN" altLang="en-US" dirty="0" smtClean="0"/>
-              <a:t>实例化简单来说</a:t>
-            </a:r>
-            <a:r>
-              <a:rPr lang="zh-CN" altLang="en-US" dirty="0" smtClean="0"/>
-              <a:t>就是：在</a:t>
-            </a:r>
-            <a:r>
-              <a:rPr lang="zh-CN" altLang="en-US" dirty="0" smtClean="0"/>
-              <a:t>代码中定义该对象。</a:t>
+              <a:t>实例化简单来说就是：在代码中定义该对象。</a:t>
             </a:r>
             <a:r>
               <a:rPr lang="en-US" altLang="zh-CN" dirty="0" smtClean="0"/>
@@ -4704,11 +4692,7 @@
           <a:p>
             <a:r>
               <a:rPr lang="zh-CN" altLang="en-US" dirty="0"/>
-              <a:t>类内静态成员函数不能</a:t>
-            </a:r>
-            <a:r>
-              <a:rPr lang="zh-CN" altLang="en-US" dirty="0"/>
-              <a:t>调用类内非静态成员变量和</a:t>
+              <a:t>类内静态成员函数不能调用类内非静态成员变量和</a:t>
             </a:r>
             <a:r>
               <a:rPr lang="zh-CN" altLang="en-US" dirty="0" smtClean="0"/>
@@ -6131,7 +6115,7 @@
       </p:sp>
       <p:pic>
         <p:nvPicPr>
-          <p:cNvPr id="6" name="图片 5"/>
+          <p:cNvPr id="4" name="图片 3"/>
           <p:cNvPicPr>
             <a:picLocks noChangeAspect="1"/>
           </p:cNvPicPr>
@@ -6151,8 +6135,8 @@
         </p:blipFill>
         <p:spPr>
           <a:xfrm>
-            <a:off x="5717308" y="365125"/>
-            <a:ext cx="5179602" cy="6368472"/>
+            <a:off x="6237493" y="152060"/>
+            <a:ext cx="5193635" cy="6492875"/>
           </a:xfrm>
           <a:prstGeom prst="rect">
             <a:avLst/>
@@ -6750,11 +6734,7 @@
           <a:p>
             <a:r>
               <a:rPr lang="zh-CN" altLang="en-US" dirty="0" smtClean="0"/>
-              <a:t>把离散的函数放在一个类</a:t>
-            </a:r>
-            <a:r>
-              <a:rPr lang="zh-CN" altLang="en-US" dirty="0" smtClean="0"/>
-              <a:t>内</a:t>
+              <a:t>把离散的函数放在一个类内</a:t>
             </a:r>
             <a:endParaRPr lang="en-US" altLang="zh-CN" dirty="0" smtClean="0"/>
           </a:p>
@@ -8109,8 +8089,8 @@
         </p:blipFill>
         <p:spPr>
           <a:xfrm>
-            <a:off x="542816" y="0"/>
-            <a:ext cx="11106368" cy="6858000"/>
+            <a:off x="1083715" y="302981"/>
+            <a:ext cx="10024570" cy="6190007"/>
           </a:xfrm>
           <a:prstGeom prst="rect">
             <a:avLst/>
